--- a/第一週_1.課堂規定_評量標準_及課程進度安排.pptx
+++ b/第一週_1.課堂規定_評量標準_及課程進度安排.pptx
@@ -4351,8 +4351,8 @@
           </p:nvSpPr>
           <p:spPr>
             <a:xfrm>
-              <a:off x="5056515" y="1815861"/>
-              <a:ext cx="2539041" cy="966158"/>
+              <a:off x="5056515" y="1815860"/>
+              <a:ext cx="2633022" cy="966157"/>
             </a:xfrm>
             <a:prstGeom prst="flowChartTerminator">
               <a:avLst/>
@@ -4394,14 +4394,14 @@
                 <a:t>作業</a:t>
               </a:r>
               <a:r>
-                <a:rPr lang="en-US" altLang="zh-TW" sz="2400" dirty="0">
+                <a:rPr lang="en-US" altLang="zh-TW" sz="2400" dirty="0" smtClean="0">
                   <a:solidFill>
                     <a:srgbClr val="0000FF"/>
                   </a:solidFill>
                   <a:latin typeface="標楷體" panose="03000509000000000000" pitchFamily="65" charset="-120"/>
                   <a:ea typeface="標楷體" panose="03000509000000000000" pitchFamily="65" charset="-120"/>
                 </a:rPr>
-                <a:t>+</a:t>
+                <a:t>1+</a:t>
               </a:r>
               <a:r>
                 <a:rPr lang="zh-TW" altLang="en-US" sz="2400" dirty="0" smtClean="0">
@@ -4411,7 +4411,17 @@
                   <a:latin typeface="標楷體" panose="03000509000000000000" pitchFamily="65" charset="-120"/>
                   <a:ea typeface="標楷體" panose="03000509000000000000" pitchFamily="65" charset="-120"/>
                 </a:rPr>
-                <a:t>小考</a:t>
+                <a:t>作業</a:t>
+              </a:r>
+              <a:r>
+                <a:rPr lang="en-US" altLang="zh-TW" sz="2400" dirty="0" smtClean="0">
+                  <a:solidFill>
+                    <a:srgbClr val="0000FF"/>
+                  </a:solidFill>
+                  <a:latin typeface="標楷體" panose="03000509000000000000" pitchFamily="65" charset="-120"/>
+                  <a:ea typeface="標楷體" panose="03000509000000000000" pitchFamily="65" charset="-120"/>
+                </a:rPr>
+                <a:t>2</a:t>
               </a:r>
               <a:endParaRPr lang="en-US" altLang="zh-TW" sz="2400" dirty="0" smtClean="0">
                 <a:solidFill>
